--- a/document/PPT자료/팀프로젝트 발표01.pptx
+++ b/document/PPT자료/팀프로젝트 발표01.pptx
@@ -1,6 +1,6 @@
 
 <file path=ppt/presentation.xml><?xml version="1.0" encoding="utf-8"?>
-<p:presentation xmlns:a="http://schemas.openxmlformats.org/drawingml/2006/main" xmlns:r="http://schemas.openxmlformats.org/officeDocument/2006/relationships" xmlns:p="http://schemas.openxmlformats.org/presentationml/2006/main" saveSubsetFonts="1">
+<p:presentation xmlns:a="http://schemas.openxmlformats.org/drawingml/2006/main" xmlns:r="http://schemas.openxmlformats.org/officeDocument/2006/relationships" xmlns:p="http://schemas.openxmlformats.org/presentationml/2006/main" embedTrueTypeFonts="1" saveSubsetFonts="1">
   <p:sldMasterIdLst>
     <p:sldMasterId id="2147483684" r:id="rId1"/>
   </p:sldMasterIdLst>
@@ -14,6 +14,43 @@
   </p:sldIdLst>
   <p:sldSz cx="9144000" cy="6300788"/>
   <p:notesSz cx="6858000" cy="9144000"/>
+  <p:embeddedFontLst>
+    <p:embeddedFont>
+      <p:font typeface="맑은 고딕" panose="020B0503020000020004" pitchFamily="50" charset="-127"/>
+      <p:regular r:id="rId8"/>
+      <p:bold r:id="rId9"/>
+    </p:embeddedFont>
+    <p:embeddedFont>
+      <p:font typeface="나눔바른고딕" panose="020B0603020101020101" pitchFamily="50" charset="-127"/>
+      <p:regular r:id="rId10"/>
+      <p:bold r:id="rId11"/>
+    </p:embeddedFont>
+    <p:embeddedFont>
+      <p:font typeface="HY그래픽" panose="02030600000101010101" pitchFamily="18" charset="-127"/>
+      <p:regular r:id="rId12"/>
+    </p:embeddedFont>
+    <p:embeddedFont>
+      <p:font typeface="-윤고딕350" panose="02030504000101010101" pitchFamily="18" charset="-127"/>
+      <p:regular r:id="rId13"/>
+    </p:embeddedFont>
+    <p:embeddedFont>
+      <p:font typeface="헤움심플함의미학172" panose="02020603020101020101" pitchFamily="18" charset="-127"/>
+      <p:regular r:id="rId14"/>
+    </p:embeddedFont>
+    <p:embeddedFont>
+      <p:font typeface="나눔고딕" panose="020D0604000000000000" pitchFamily="50" charset="-127"/>
+      <p:regular r:id="rId15"/>
+      <p:bold r:id="rId16"/>
+    </p:embeddedFont>
+    <p:embeddedFont>
+      <p:font typeface="나눔고딕 ExtraBold" panose="020D0904000000000000" pitchFamily="50" charset="-127"/>
+      <p:bold r:id="rId17"/>
+    </p:embeddedFont>
+    <p:embeddedFont>
+      <p:font typeface="KT&amp;G 상상제목 B" panose="02000300000000000000" pitchFamily="2" charset="-127"/>
+      <p:regular r:id="rId18"/>
+    </p:embeddedFont>
+  </p:embeddedFontLst>
   <p:defaultTextStyle>
     <a:defPPr>
       <a:defRPr lang="ko-KR"/>
@@ -293,7 +330,7 @@
           <a:p>
             <a:fld id="{AEC7F8D7-B170-4789-B33C-280A39A70172}" type="datetimeFigureOut">
               <a:rPr lang="ko-KR" altLang="en-US" smtClean="0"/>
-              <a:t>2014-05-12</a:t>
+              <a:t>2014-05-13</a:t>
             </a:fld>
             <a:endParaRPr lang="ko-KR" altLang="en-US"/>
           </a:p>
@@ -463,7 +500,7 @@
           <a:p>
             <a:fld id="{AEC7F8D7-B170-4789-B33C-280A39A70172}" type="datetimeFigureOut">
               <a:rPr lang="ko-KR" altLang="en-US" smtClean="0"/>
-              <a:t>2014-05-12</a:t>
+              <a:t>2014-05-13</a:t>
             </a:fld>
             <a:endParaRPr lang="ko-KR" altLang="en-US"/>
           </a:p>
@@ -643,7 +680,7 @@
           <a:p>
             <a:fld id="{AEC7F8D7-B170-4789-B33C-280A39A70172}" type="datetimeFigureOut">
               <a:rPr lang="ko-KR" altLang="en-US" smtClean="0"/>
-              <a:t>2014-05-12</a:t>
+              <a:t>2014-05-13</a:t>
             </a:fld>
             <a:endParaRPr lang="ko-KR" altLang="en-US"/>
           </a:p>
@@ -813,7 +850,7 @@
           <a:p>
             <a:fld id="{AEC7F8D7-B170-4789-B33C-280A39A70172}" type="datetimeFigureOut">
               <a:rPr lang="ko-KR" altLang="en-US" smtClean="0"/>
-              <a:t>2014-05-12</a:t>
+              <a:t>2014-05-13</a:t>
             </a:fld>
             <a:endParaRPr lang="ko-KR" altLang="en-US"/>
           </a:p>
@@ -1059,7 +1096,7 @@
           <a:p>
             <a:fld id="{AEC7F8D7-B170-4789-B33C-280A39A70172}" type="datetimeFigureOut">
               <a:rPr lang="ko-KR" altLang="en-US" smtClean="0"/>
-              <a:t>2014-05-12</a:t>
+              <a:t>2014-05-13</a:t>
             </a:fld>
             <a:endParaRPr lang="ko-KR" altLang="en-US"/>
           </a:p>
@@ -1347,7 +1384,7 @@
           <a:p>
             <a:fld id="{AEC7F8D7-B170-4789-B33C-280A39A70172}" type="datetimeFigureOut">
               <a:rPr lang="ko-KR" altLang="en-US" smtClean="0"/>
-              <a:t>2014-05-12</a:t>
+              <a:t>2014-05-13</a:t>
             </a:fld>
             <a:endParaRPr lang="ko-KR" altLang="en-US"/>
           </a:p>
@@ -1769,7 +1806,7 @@
           <a:p>
             <a:fld id="{AEC7F8D7-B170-4789-B33C-280A39A70172}" type="datetimeFigureOut">
               <a:rPr lang="ko-KR" altLang="en-US" smtClean="0"/>
-              <a:t>2014-05-12</a:t>
+              <a:t>2014-05-13</a:t>
             </a:fld>
             <a:endParaRPr lang="ko-KR" altLang="en-US"/>
           </a:p>
@@ -1887,7 +1924,7 @@
           <a:p>
             <a:fld id="{AEC7F8D7-B170-4789-B33C-280A39A70172}" type="datetimeFigureOut">
               <a:rPr lang="ko-KR" altLang="en-US" smtClean="0"/>
-              <a:t>2014-05-12</a:t>
+              <a:t>2014-05-13</a:t>
             </a:fld>
             <a:endParaRPr lang="ko-KR" altLang="en-US"/>
           </a:p>
@@ -1982,7 +2019,7 @@
           <a:p>
             <a:fld id="{AEC7F8D7-B170-4789-B33C-280A39A70172}" type="datetimeFigureOut">
               <a:rPr lang="ko-KR" altLang="en-US" smtClean="0"/>
-              <a:t>2014-05-12</a:t>
+              <a:t>2014-05-13</a:t>
             </a:fld>
             <a:endParaRPr lang="ko-KR" altLang="en-US"/>
           </a:p>
@@ -2259,7 +2296,7 @@
           <a:p>
             <a:fld id="{AEC7F8D7-B170-4789-B33C-280A39A70172}" type="datetimeFigureOut">
               <a:rPr lang="ko-KR" altLang="en-US" smtClean="0"/>
-              <a:t>2014-05-12</a:t>
+              <a:t>2014-05-13</a:t>
             </a:fld>
             <a:endParaRPr lang="ko-KR" altLang="en-US"/>
           </a:p>
@@ -2516,7 +2553,7 @@
           <a:p>
             <a:fld id="{AEC7F8D7-B170-4789-B33C-280A39A70172}" type="datetimeFigureOut">
               <a:rPr lang="ko-KR" altLang="en-US" smtClean="0"/>
-              <a:t>2014-05-12</a:t>
+              <a:t>2014-05-13</a:t>
             </a:fld>
             <a:endParaRPr lang="ko-KR" altLang="en-US"/>
           </a:p>
@@ -2762,7 +2799,7 @@
           <a:p>
             <a:fld id="{AEC7F8D7-B170-4789-B33C-280A39A70172}" type="datetimeFigureOut">
               <a:rPr lang="ko-KR" altLang="en-US" smtClean="0"/>
-              <a:t>2014-05-12</a:t>
+              <a:t>2014-05-13</a:t>
             </a:fld>
             <a:endParaRPr lang="ko-KR" altLang="en-US"/>
           </a:p>

--- a/document/PPT자료/팀프로젝트 발표01.pptx
+++ b/document/PPT자료/팀프로젝트 발표01.pptx
@@ -9,46 +9,47 @@
     <p:sldId id="258" r:id="rId3"/>
     <p:sldId id="257" r:id="rId4"/>
     <p:sldId id="259" r:id="rId5"/>
-    <p:sldId id="260" r:id="rId6"/>
-    <p:sldId id="261" r:id="rId7"/>
+    <p:sldId id="262" r:id="rId6"/>
+    <p:sldId id="260" r:id="rId7"/>
+    <p:sldId id="261" r:id="rId8"/>
   </p:sldIdLst>
   <p:sldSz cx="9144000" cy="6300788"/>
   <p:notesSz cx="6858000" cy="9144000"/>
   <p:embeddedFontLst>
     <p:embeddedFont>
-      <p:font typeface="맑은 고딕" panose="020B0503020000020004" pitchFamily="50" charset="-127"/>
-      <p:regular r:id="rId8"/>
-      <p:bold r:id="rId9"/>
+      <p:font typeface="맑은 고딕" pitchFamily="50" charset="-127"/>
+      <p:regular r:id="rId9"/>
+      <p:bold r:id="rId10"/>
     </p:embeddedFont>
     <p:embeddedFont>
-      <p:font typeface="나눔바른고딕" panose="020B0603020101020101" pitchFamily="50" charset="-127"/>
-      <p:regular r:id="rId10"/>
-      <p:bold r:id="rId11"/>
+      <p:font typeface="나눔바른고딕" pitchFamily="50" charset="-127"/>
+      <p:regular r:id="rId11"/>
+      <p:bold r:id="rId12"/>
     </p:embeddedFont>
     <p:embeddedFont>
-      <p:font typeface="HY그래픽" panose="02030600000101010101" pitchFamily="18" charset="-127"/>
-      <p:regular r:id="rId12"/>
+      <p:font typeface="나눔고딕 ExtraBold" charset="-127"/>
+      <p:bold r:id="rId13"/>
     </p:embeddedFont>
     <p:embeddedFont>
-      <p:font typeface="-윤고딕350" panose="02030504000101010101" pitchFamily="18" charset="-127"/>
-      <p:regular r:id="rId13"/>
-    </p:embeddedFont>
-    <p:embeddedFont>
-      <p:font typeface="헤움심플함의미학172" panose="02020603020101020101" pitchFamily="18" charset="-127"/>
+      <p:font typeface="KT&amp;G 상상제목 B" charset="-127"/>
       <p:regular r:id="rId14"/>
     </p:embeddedFont>
     <p:embeddedFont>
-      <p:font typeface="나눔고딕" panose="020D0604000000000000" pitchFamily="50" charset="-127"/>
+      <p:font typeface="-윤고딕350" charset="-127"/>
       <p:regular r:id="rId15"/>
-      <p:bold r:id="rId16"/>
     </p:embeddedFont>
     <p:embeddedFont>
-      <p:font typeface="나눔고딕 ExtraBold" panose="020D0904000000000000" pitchFamily="50" charset="-127"/>
+      <p:font typeface="나눔고딕" charset="-127"/>
+      <p:regular r:id="rId16"/>
       <p:bold r:id="rId17"/>
     </p:embeddedFont>
     <p:embeddedFont>
-      <p:font typeface="KT&amp;G 상상제목 B" panose="02000300000000000000" pitchFamily="2" charset="-127"/>
+      <p:font typeface="HY그래픽" pitchFamily="18" charset="-127"/>
       <p:regular r:id="rId18"/>
+    </p:embeddedFont>
+    <p:embeddedFont>
+      <p:font typeface="HY견고딕" pitchFamily="18" charset="-127"/>
+      <p:regular r:id="rId19"/>
     </p:embeddedFont>
   </p:embeddedFontLst>
   <p:defaultTextStyle>
@@ -330,7 +331,8 @@
           <a:p>
             <a:fld id="{AEC7F8D7-B170-4789-B33C-280A39A70172}" type="datetimeFigureOut">
               <a:rPr lang="ko-KR" altLang="en-US" smtClean="0"/>
-              <a:t>2014-05-13</a:t>
+              <a:pPr/>
+              <a:t>2014-05-14</a:t>
             </a:fld>
             <a:endParaRPr lang="ko-KR" altLang="en-US"/>
           </a:p>
@@ -372,6 +374,7 @@
           <a:p>
             <a:fld id="{45F54DCC-5CD6-4D4A-AE60-57277A482C94}" type="slidenum">
               <a:rPr lang="ko-KR" altLang="en-US" smtClean="0"/>
+              <a:pPr/>
               <a:t>‹#›</a:t>
             </a:fld>
             <a:endParaRPr lang="ko-KR" altLang="en-US"/>
@@ -381,7 +384,7 @@
     </p:spTree>
     <p:extLst>
       <p:ext uri="{BB962C8B-B14F-4D97-AF65-F5344CB8AC3E}">
-        <p14:creationId xmlns:p14="http://schemas.microsoft.com/office/powerpoint/2010/main" val="1126699227"/>
+        <p14:creationId xmlns:p14="http://schemas.microsoft.com/office/powerpoint/2010/main" xmlns="" val="1126699227"/>
       </p:ext>
     </p:extLst>
   </p:cSld>
@@ -500,7 +503,8 @@
           <a:p>
             <a:fld id="{AEC7F8D7-B170-4789-B33C-280A39A70172}" type="datetimeFigureOut">
               <a:rPr lang="ko-KR" altLang="en-US" smtClean="0"/>
-              <a:t>2014-05-13</a:t>
+              <a:pPr/>
+              <a:t>2014-05-14</a:t>
             </a:fld>
             <a:endParaRPr lang="ko-KR" altLang="en-US"/>
           </a:p>
@@ -542,6 +546,7 @@
           <a:p>
             <a:fld id="{45F54DCC-5CD6-4D4A-AE60-57277A482C94}" type="slidenum">
               <a:rPr lang="ko-KR" altLang="en-US" smtClean="0"/>
+              <a:pPr/>
               <a:t>‹#›</a:t>
             </a:fld>
             <a:endParaRPr lang="ko-KR" altLang="en-US"/>
@@ -551,7 +556,7 @@
     </p:spTree>
     <p:extLst>
       <p:ext uri="{BB962C8B-B14F-4D97-AF65-F5344CB8AC3E}">
-        <p14:creationId xmlns:p14="http://schemas.microsoft.com/office/powerpoint/2010/main" val="2766678970"/>
+        <p14:creationId xmlns:p14="http://schemas.microsoft.com/office/powerpoint/2010/main" xmlns="" val="2766678970"/>
       </p:ext>
     </p:extLst>
   </p:cSld>
@@ -680,7 +685,8 @@
           <a:p>
             <a:fld id="{AEC7F8D7-B170-4789-B33C-280A39A70172}" type="datetimeFigureOut">
               <a:rPr lang="ko-KR" altLang="en-US" smtClean="0"/>
-              <a:t>2014-05-13</a:t>
+              <a:pPr/>
+              <a:t>2014-05-14</a:t>
             </a:fld>
             <a:endParaRPr lang="ko-KR" altLang="en-US"/>
           </a:p>
@@ -722,6 +728,7 @@
           <a:p>
             <a:fld id="{45F54DCC-5CD6-4D4A-AE60-57277A482C94}" type="slidenum">
               <a:rPr lang="ko-KR" altLang="en-US" smtClean="0"/>
+              <a:pPr/>
               <a:t>‹#›</a:t>
             </a:fld>
             <a:endParaRPr lang="ko-KR" altLang="en-US"/>
@@ -731,7 +738,7 @@
     </p:spTree>
     <p:extLst>
       <p:ext uri="{BB962C8B-B14F-4D97-AF65-F5344CB8AC3E}">
-        <p14:creationId xmlns:p14="http://schemas.microsoft.com/office/powerpoint/2010/main" val="656621851"/>
+        <p14:creationId xmlns:p14="http://schemas.microsoft.com/office/powerpoint/2010/main" xmlns="" val="656621851"/>
       </p:ext>
     </p:extLst>
   </p:cSld>
@@ -850,7 +857,8 @@
           <a:p>
             <a:fld id="{AEC7F8D7-B170-4789-B33C-280A39A70172}" type="datetimeFigureOut">
               <a:rPr lang="ko-KR" altLang="en-US" smtClean="0"/>
-              <a:t>2014-05-13</a:t>
+              <a:pPr/>
+              <a:t>2014-05-14</a:t>
             </a:fld>
             <a:endParaRPr lang="ko-KR" altLang="en-US"/>
           </a:p>
@@ -892,6 +900,7 @@
           <a:p>
             <a:fld id="{45F54DCC-5CD6-4D4A-AE60-57277A482C94}" type="slidenum">
               <a:rPr lang="ko-KR" altLang="en-US" smtClean="0"/>
+              <a:pPr/>
               <a:t>‹#›</a:t>
             </a:fld>
             <a:endParaRPr lang="ko-KR" altLang="en-US"/>
@@ -901,7 +910,7 @@
     </p:spTree>
     <p:extLst>
       <p:ext uri="{BB962C8B-B14F-4D97-AF65-F5344CB8AC3E}">
-        <p14:creationId xmlns:p14="http://schemas.microsoft.com/office/powerpoint/2010/main" val="781249099"/>
+        <p14:creationId xmlns:p14="http://schemas.microsoft.com/office/powerpoint/2010/main" xmlns="" val="781249099"/>
       </p:ext>
     </p:extLst>
   </p:cSld>
@@ -1096,7 +1105,8 @@
           <a:p>
             <a:fld id="{AEC7F8D7-B170-4789-B33C-280A39A70172}" type="datetimeFigureOut">
               <a:rPr lang="ko-KR" altLang="en-US" smtClean="0"/>
-              <a:t>2014-05-13</a:t>
+              <a:pPr/>
+              <a:t>2014-05-14</a:t>
             </a:fld>
             <a:endParaRPr lang="ko-KR" altLang="en-US"/>
           </a:p>
@@ -1138,6 +1148,7 @@
           <a:p>
             <a:fld id="{45F54DCC-5CD6-4D4A-AE60-57277A482C94}" type="slidenum">
               <a:rPr lang="ko-KR" altLang="en-US" smtClean="0"/>
+              <a:pPr/>
               <a:t>‹#›</a:t>
             </a:fld>
             <a:endParaRPr lang="ko-KR" altLang="en-US"/>
@@ -1147,7 +1158,7 @@
     </p:spTree>
     <p:extLst>
       <p:ext uri="{BB962C8B-B14F-4D97-AF65-F5344CB8AC3E}">
-        <p14:creationId xmlns:p14="http://schemas.microsoft.com/office/powerpoint/2010/main" val="4048041801"/>
+        <p14:creationId xmlns:p14="http://schemas.microsoft.com/office/powerpoint/2010/main" xmlns="" val="4048041801"/>
       </p:ext>
     </p:extLst>
   </p:cSld>
@@ -1384,7 +1395,8 @@
           <a:p>
             <a:fld id="{AEC7F8D7-B170-4789-B33C-280A39A70172}" type="datetimeFigureOut">
               <a:rPr lang="ko-KR" altLang="en-US" smtClean="0"/>
-              <a:t>2014-05-13</a:t>
+              <a:pPr/>
+              <a:t>2014-05-14</a:t>
             </a:fld>
             <a:endParaRPr lang="ko-KR" altLang="en-US"/>
           </a:p>
@@ -1426,6 +1438,7 @@
           <a:p>
             <a:fld id="{45F54DCC-5CD6-4D4A-AE60-57277A482C94}" type="slidenum">
               <a:rPr lang="ko-KR" altLang="en-US" smtClean="0"/>
+              <a:pPr/>
               <a:t>‹#›</a:t>
             </a:fld>
             <a:endParaRPr lang="ko-KR" altLang="en-US"/>
@@ -1435,7 +1448,7 @@
     </p:spTree>
     <p:extLst>
       <p:ext uri="{BB962C8B-B14F-4D97-AF65-F5344CB8AC3E}">
-        <p14:creationId xmlns:p14="http://schemas.microsoft.com/office/powerpoint/2010/main" val="3179710063"/>
+        <p14:creationId xmlns:p14="http://schemas.microsoft.com/office/powerpoint/2010/main" xmlns="" val="3179710063"/>
       </p:ext>
     </p:extLst>
   </p:cSld>
@@ -1806,7 +1819,8 @@
           <a:p>
             <a:fld id="{AEC7F8D7-B170-4789-B33C-280A39A70172}" type="datetimeFigureOut">
               <a:rPr lang="ko-KR" altLang="en-US" smtClean="0"/>
-              <a:t>2014-05-13</a:t>
+              <a:pPr/>
+              <a:t>2014-05-14</a:t>
             </a:fld>
             <a:endParaRPr lang="ko-KR" altLang="en-US"/>
           </a:p>
@@ -1848,6 +1862,7 @@
           <a:p>
             <a:fld id="{45F54DCC-5CD6-4D4A-AE60-57277A482C94}" type="slidenum">
               <a:rPr lang="ko-KR" altLang="en-US" smtClean="0"/>
+              <a:pPr/>
               <a:t>‹#›</a:t>
             </a:fld>
             <a:endParaRPr lang="ko-KR" altLang="en-US"/>
@@ -1857,7 +1872,7 @@
     </p:spTree>
     <p:extLst>
       <p:ext uri="{BB962C8B-B14F-4D97-AF65-F5344CB8AC3E}">
-        <p14:creationId xmlns:p14="http://schemas.microsoft.com/office/powerpoint/2010/main" val="3567713864"/>
+        <p14:creationId xmlns:p14="http://schemas.microsoft.com/office/powerpoint/2010/main" xmlns="" val="3567713864"/>
       </p:ext>
     </p:extLst>
   </p:cSld>
@@ -1924,7 +1939,8 @@
           <a:p>
             <a:fld id="{AEC7F8D7-B170-4789-B33C-280A39A70172}" type="datetimeFigureOut">
               <a:rPr lang="ko-KR" altLang="en-US" smtClean="0"/>
-              <a:t>2014-05-13</a:t>
+              <a:pPr/>
+              <a:t>2014-05-14</a:t>
             </a:fld>
             <a:endParaRPr lang="ko-KR" altLang="en-US"/>
           </a:p>
@@ -1966,6 +1982,7 @@
           <a:p>
             <a:fld id="{45F54DCC-5CD6-4D4A-AE60-57277A482C94}" type="slidenum">
               <a:rPr lang="ko-KR" altLang="en-US" smtClean="0"/>
+              <a:pPr/>
               <a:t>‹#›</a:t>
             </a:fld>
             <a:endParaRPr lang="ko-KR" altLang="en-US"/>
@@ -1975,7 +1992,7 @@
     </p:spTree>
     <p:extLst>
       <p:ext uri="{BB962C8B-B14F-4D97-AF65-F5344CB8AC3E}">
-        <p14:creationId xmlns:p14="http://schemas.microsoft.com/office/powerpoint/2010/main" val="2698135222"/>
+        <p14:creationId xmlns:p14="http://schemas.microsoft.com/office/powerpoint/2010/main" xmlns="" val="2698135222"/>
       </p:ext>
     </p:extLst>
   </p:cSld>
@@ -2019,7 +2036,8 @@
           <a:p>
             <a:fld id="{AEC7F8D7-B170-4789-B33C-280A39A70172}" type="datetimeFigureOut">
               <a:rPr lang="ko-KR" altLang="en-US" smtClean="0"/>
-              <a:t>2014-05-13</a:t>
+              <a:pPr/>
+              <a:t>2014-05-14</a:t>
             </a:fld>
             <a:endParaRPr lang="ko-KR" altLang="en-US"/>
           </a:p>
@@ -2061,6 +2079,7 @@
           <a:p>
             <a:fld id="{45F54DCC-5CD6-4D4A-AE60-57277A482C94}" type="slidenum">
               <a:rPr lang="ko-KR" altLang="en-US" smtClean="0"/>
+              <a:pPr/>
               <a:t>‹#›</a:t>
             </a:fld>
             <a:endParaRPr lang="ko-KR" altLang="en-US"/>
@@ -2070,7 +2089,7 @@
     </p:spTree>
     <p:extLst>
       <p:ext uri="{BB962C8B-B14F-4D97-AF65-F5344CB8AC3E}">
-        <p14:creationId xmlns:p14="http://schemas.microsoft.com/office/powerpoint/2010/main" val="4280812198"/>
+        <p14:creationId xmlns:p14="http://schemas.microsoft.com/office/powerpoint/2010/main" xmlns="" val="4280812198"/>
       </p:ext>
     </p:extLst>
   </p:cSld>
@@ -2296,7 +2315,8 @@
           <a:p>
             <a:fld id="{AEC7F8D7-B170-4789-B33C-280A39A70172}" type="datetimeFigureOut">
               <a:rPr lang="ko-KR" altLang="en-US" smtClean="0"/>
-              <a:t>2014-05-13</a:t>
+              <a:pPr/>
+              <a:t>2014-05-14</a:t>
             </a:fld>
             <a:endParaRPr lang="ko-KR" altLang="en-US"/>
           </a:p>
@@ -2338,6 +2358,7 @@
           <a:p>
             <a:fld id="{45F54DCC-5CD6-4D4A-AE60-57277A482C94}" type="slidenum">
               <a:rPr lang="ko-KR" altLang="en-US" smtClean="0"/>
+              <a:pPr/>
               <a:t>‹#›</a:t>
             </a:fld>
             <a:endParaRPr lang="ko-KR" altLang="en-US"/>
@@ -2347,7 +2368,7 @@
     </p:spTree>
     <p:extLst>
       <p:ext uri="{BB962C8B-B14F-4D97-AF65-F5344CB8AC3E}">
-        <p14:creationId xmlns:p14="http://schemas.microsoft.com/office/powerpoint/2010/main" val="605721552"/>
+        <p14:creationId xmlns:p14="http://schemas.microsoft.com/office/powerpoint/2010/main" xmlns="" val="605721552"/>
       </p:ext>
     </p:extLst>
   </p:cSld>
@@ -2553,7 +2574,8 @@
           <a:p>
             <a:fld id="{AEC7F8D7-B170-4789-B33C-280A39A70172}" type="datetimeFigureOut">
               <a:rPr lang="ko-KR" altLang="en-US" smtClean="0"/>
-              <a:t>2014-05-13</a:t>
+              <a:pPr/>
+              <a:t>2014-05-14</a:t>
             </a:fld>
             <a:endParaRPr lang="ko-KR" altLang="en-US"/>
           </a:p>
@@ -2595,6 +2617,7 @@
           <a:p>
             <a:fld id="{45F54DCC-5CD6-4D4A-AE60-57277A482C94}" type="slidenum">
               <a:rPr lang="ko-KR" altLang="en-US" smtClean="0"/>
+              <a:pPr/>
               <a:t>‹#›</a:t>
             </a:fld>
             <a:endParaRPr lang="ko-KR" altLang="en-US"/>
@@ -2604,7 +2627,7 @@
     </p:spTree>
     <p:extLst>
       <p:ext uri="{BB962C8B-B14F-4D97-AF65-F5344CB8AC3E}">
-        <p14:creationId xmlns:p14="http://schemas.microsoft.com/office/powerpoint/2010/main" val="3121853785"/>
+        <p14:creationId xmlns:p14="http://schemas.microsoft.com/office/powerpoint/2010/main" xmlns="" val="3121853785"/>
       </p:ext>
     </p:extLst>
   </p:cSld>
@@ -2799,7 +2822,8 @@
           <a:p>
             <a:fld id="{AEC7F8D7-B170-4789-B33C-280A39A70172}" type="datetimeFigureOut">
               <a:rPr lang="ko-KR" altLang="en-US" smtClean="0"/>
-              <a:t>2014-05-13</a:t>
+              <a:pPr/>
+              <a:t>2014-05-14</a:t>
             </a:fld>
             <a:endParaRPr lang="ko-KR" altLang="en-US"/>
           </a:p>
@@ -2877,6 +2901,7 @@
           <a:p>
             <a:fld id="{45F54DCC-5CD6-4D4A-AE60-57277A482C94}" type="slidenum">
               <a:rPr lang="ko-KR" altLang="en-US" smtClean="0"/>
+              <a:pPr/>
               <a:t>‹#›</a:t>
             </a:fld>
             <a:endParaRPr lang="ko-KR" altLang="en-US"/>
@@ -2886,7 +2911,7 @@
     </p:spTree>
     <p:extLst>
       <p:ext uri="{BB962C8B-B14F-4D97-AF65-F5344CB8AC3E}">
-        <p14:creationId xmlns:p14="http://schemas.microsoft.com/office/powerpoint/2010/main" val="1297893045"/>
+        <p14:creationId xmlns:p14="http://schemas.microsoft.com/office/powerpoint/2010/main" xmlns="" val="1297893045"/>
       </p:ext>
     </p:extLst>
   </p:cSld>
@@ -3524,7 +3549,7 @@
     </p:spTree>
     <p:extLst>
       <p:ext uri="{BB962C8B-B14F-4D97-AF65-F5344CB8AC3E}">
-        <p14:creationId xmlns:p14="http://schemas.microsoft.com/office/powerpoint/2010/main" val="4196974218"/>
+        <p14:creationId xmlns:p14="http://schemas.microsoft.com/office/powerpoint/2010/main" xmlns="" val="4196974218"/>
       </p:ext>
     </p:extLst>
   </p:cSld>
@@ -4942,7 +4967,7 @@
     </p:spTree>
     <p:extLst>
       <p:ext uri="{BB962C8B-B14F-4D97-AF65-F5344CB8AC3E}">
-        <p14:creationId xmlns:p14="http://schemas.microsoft.com/office/powerpoint/2010/main" val="1468645510"/>
+        <p14:creationId xmlns:p14="http://schemas.microsoft.com/office/powerpoint/2010/main" xmlns="" val="1468645510"/>
       </p:ext>
     </p:extLst>
   </p:cSld>
@@ -5438,7 +5463,7 @@
           <p:nvPr>
             <p:extLst>
               <p:ext uri="{D42A27DB-BD31-4B8C-83A1-F6EECF244321}">
-                <p14:modId xmlns:p14="http://schemas.microsoft.com/office/powerpoint/2010/main" val="2140786523"/>
+                <p14:modId xmlns:p14="http://schemas.microsoft.com/office/powerpoint/2010/main" xmlns="" val="2140786523"/>
               </p:ext>
             </p:extLst>
           </p:nvPr>
@@ -6744,7 +6769,7 @@
     </p:spTree>
     <p:extLst>
       <p:ext uri="{BB962C8B-B14F-4D97-AF65-F5344CB8AC3E}">
-        <p14:creationId xmlns:p14="http://schemas.microsoft.com/office/powerpoint/2010/main" val="1580447245"/>
+        <p14:creationId xmlns:p14="http://schemas.microsoft.com/office/powerpoint/2010/main" xmlns="" val="1580447245"/>
       </p:ext>
     </p:extLst>
   </p:cSld>
@@ -6996,8 +7021,8 @@
         </p:nvSpPr>
         <p:spPr>
           <a:xfrm>
-            <a:off x="827584" y="2718346"/>
-            <a:ext cx="7560840" cy="1446550"/>
+            <a:off x="827584" y="1998266"/>
+            <a:ext cx="7560840" cy="769441"/>
           </a:xfrm>
           <a:prstGeom prst="rect">
             <a:avLst/>
@@ -7011,7 +7036,7 @@
           <a:lstStyle/>
           <a:p>
             <a:r>
-              <a:rPr lang="en-US" altLang="ko-KR" sz="8800" dirty="0" smtClean="0">
+              <a:rPr lang="en-US" altLang="ko-KR" sz="4400" b="1" dirty="0" smtClean="0">
                 <a:solidFill>
                   <a:srgbClr val="FF1515"/>
                 </a:solidFill>
@@ -7020,7 +7045,7 @@
               </a:rPr>
               <a:t>Waterfall Model</a:t>
             </a:r>
-            <a:endParaRPr lang="ko-KR" altLang="en-US" sz="8800" dirty="0">
+            <a:endParaRPr lang="ko-KR" altLang="en-US" sz="4400" b="1" dirty="0">
               <a:solidFill>
                 <a:srgbClr val="FF1515"/>
               </a:solidFill>
@@ -7033,7 +7058,7 @@
     </p:spTree>
     <p:extLst>
       <p:ext uri="{BB962C8B-B14F-4D97-AF65-F5344CB8AC3E}">
-        <p14:creationId xmlns:p14="http://schemas.microsoft.com/office/powerpoint/2010/main" val="4208883111"/>
+        <p14:creationId xmlns:p14="http://schemas.microsoft.com/office/powerpoint/2010/main" xmlns="" val="4208883111"/>
       </p:ext>
     </p:extLst>
   </p:cSld>
@@ -7054,6 +7079,367 @@
 </file>
 
 <file path=ppt/slides/slide5.xml><?xml version="1.0" encoding="utf-8"?>
+<p:sld xmlns:a="http://schemas.openxmlformats.org/drawingml/2006/main" xmlns:r="http://schemas.openxmlformats.org/officeDocument/2006/relationships" xmlns:p="http://schemas.openxmlformats.org/presentationml/2006/main">
+  <p:cSld>
+    <p:spTree>
+      <p:nvGrpSpPr>
+        <p:cNvPr id="1" name=""/>
+        <p:cNvGrpSpPr/>
+        <p:nvPr/>
+      </p:nvGrpSpPr>
+      <p:grpSpPr>
+        <a:xfrm>
+          <a:off x="0" y="0"/>
+          <a:ext cx="0" cy="0"/>
+          <a:chOff x="0" y="0"/>
+          <a:chExt cx="0" cy="0"/>
+        </a:xfrm>
+      </p:grpSpPr>
+      <p:grpSp>
+        <p:nvGrpSpPr>
+          <p:cNvPr id="2" name="그룹 3"/>
+          <p:cNvGrpSpPr/>
+          <p:nvPr/>
+        </p:nvGrpSpPr>
+        <p:grpSpPr>
+          <a:xfrm>
+            <a:off x="1" y="0"/>
+            <a:ext cx="9144000" cy="486098"/>
+            <a:chOff x="1" y="0"/>
+            <a:chExt cx="9144000" cy="486098"/>
+          </a:xfrm>
+        </p:grpSpPr>
+        <p:sp>
+          <p:nvSpPr>
+            <p:cNvPr id="5" name="직사각형 4"/>
+            <p:cNvSpPr/>
+            <p:nvPr/>
+          </p:nvSpPr>
+          <p:spPr>
+            <a:xfrm>
+              <a:off x="1" y="4"/>
+              <a:ext cx="9144000" cy="297268"/>
+            </a:xfrm>
+            <a:prstGeom prst="rect">
+              <a:avLst/>
+            </a:prstGeom>
+            <a:solidFill>
+              <a:srgbClr val="C00000"/>
+            </a:solidFill>
+            <a:ln>
+              <a:noFill/>
+            </a:ln>
+          </p:spPr>
+          <p:style>
+            <a:lnRef idx="2">
+              <a:schemeClr val="accent1">
+                <a:shade val="50000"/>
+              </a:schemeClr>
+            </a:lnRef>
+            <a:fillRef idx="1">
+              <a:schemeClr val="accent1"/>
+            </a:fillRef>
+            <a:effectRef idx="0">
+              <a:schemeClr val="accent1"/>
+            </a:effectRef>
+            <a:fontRef idx="minor">
+              <a:schemeClr val="lt1"/>
+            </a:fontRef>
+          </p:style>
+          <p:txBody>
+            <a:bodyPr rtlCol="0" anchor="ctr"/>
+            <a:lstStyle/>
+            <a:p>
+              <a:pPr algn="ctr"/>
+              <a:endParaRPr lang="ko-KR" altLang="en-US"/>
+            </a:p>
+          </p:txBody>
+        </p:sp>
+        <p:sp>
+          <p:nvSpPr>
+            <p:cNvPr id="6" name="모서리가 둥근 직사각형 5"/>
+            <p:cNvSpPr/>
+            <p:nvPr/>
+          </p:nvSpPr>
+          <p:spPr>
+            <a:xfrm>
+              <a:off x="6876256" y="0"/>
+              <a:ext cx="2267744" cy="486098"/>
+            </a:xfrm>
+            <a:prstGeom prst="roundRect">
+              <a:avLst/>
+            </a:prstGeom>
+            <a:solidFill>
+              <a:srgbClr val="C00000"/>
+            </a:solidFill>
+            <a:ln>
+              <a:noFill/>
+            </a:ln>
+          </p:spPr>
+          <p:style>
+            <a:lnRef idx="2">
+              <a:schemeClr val="accent1">
+                <a:shade val="50000"/>
+              </a:schemeClr>
+            </a:lnRef>
+            <a:fillRef idx="1">
+              <a:schemeClr val="accent1"/>
+            </a:fillRef>
+            <a:effectRef idx="0">
+              <a:schemeClr val="accent1"/>
+            </a:effectRef>
+            <a:fontRef idx="minor">
+              <a:schemeClr val="lt1"/>
+            </a:fontRef>
+          </p:style>
+          <p:txBody>
+            <a:bodyPr rtlCol="0" anchor="ctr"/>
+            <a:lstStyle/>
+            <a:p>
+              <a:pPr algn="ctr"/>
+              <a:r>
+                <a:rPr lang="en-US" altLang="ko-KR" sz="1600" dirty="0" smtClean="0">
+                  <a:latin typeface="나눔바른고딕" panose="020B0603020101020101" pitchFamily="50" charset="-127"/>
+                  <a:ea typeface="나눔바른고딕" panose="020B0603020101020101" pitchFamily="50" charset="-127"/>
+                </a:rPr>
+                <a:t>GROUP3</a:t>
+              </a:r>
+              <a:endParaRPr lang="ko-KR" altLang="en-US" sz="1600" dirty="0">
+                <a:latin typeface="나눔바른고딕" panose="020B0603020101020101" pitchFamily="50" charset="-127"/>
+                <a:ea typeface="나눔바른고딕" panose="020B0603020101020101" pitchFamily="50" charset="-127"/>
+              </a:endParaRPr>
+            </a:p>
+          </p:txBody>
+        </p:sp>
+      </p:grpSp>
+      <p:cxnSp>
+        <p:nvCxnSpPr>
+          <p:cNvPr id="9" name="직선 연결선 8"/>
+          <p:cNvCxnSpPr/>
+          <p:nvPr/>
+        </p:nvCxnSpPr>
+        <p:spPr>
+          <a:xfrm flipH="1">
+            <a:off x="1835696" y="1638226"/>
+            <a:ext cx="7308304" cy="0"/>
+          </a:xfrm>
+          <a:prstGeom prst="line">
+            <a:avLst/>
+          </a:prstGeom>
+          <a:ln w="60325">
+            <a:solidFill>
+              <a:srgbClr val="FF3300">
+                <a:alpha val="89000"/>
+              </a:srgbClr>
+            </a:solidFill>
+          </a:ln>
+          <a:effectLst/>
+        </p:spPr>
+        <p:style>
+          <a:lnRef idx="3">
+            <a:schemeClr val="accent2"/>
+          </a:lnRef>
+          <a:fillRef idx="0">
+            <a:schemeClr val="accent2"/>
+          </a:fillRef>
+          <a:effectRef idx="2">
+            <a:schemeClr val="accent2"/>
+          </a:effectRef>
+          <a:fontRef idx="minor">
+            <a:schemeClr val="tx1"/>
+          </a:fontRef>
+        </p:style>
+      </p:cxnSp>
+      <p:sp>
+        <p:nvSpPr>
+          <p:cNvPr id="7" name="TextBox 6"/>
+          <p:cNvSpPr txBox="1"/>
+          <p:nvPr/>
+        </p:nvSpPr>
+        <p:spPr>
+          <a:xfrm>
+            <a:off x="827584" y="766579"/>
+            <a:ext cx="6192688" cy="830997"/>
+          </a:xfrm>
+          <a:prstGeom prst="rect">
+            <a:avLst/>
+          </a:prstGeom>
+          <a:noFill/>
+        </p:spPr>
+        <p:txBody>
+          <a:bodyPr wrap="square" rtlCol="0">
+            <a:spAutoFit/>
+          </a:bodyPr>
+          <a:lstStyle/>
+          <a:p>
+            <a:r>
+              <a:rPr lang="en-US" altLang="ko-KR" sz="4800" dirty="0" smtClean="0">
+                <a:solidFill>
+                  <a:srgbClr val="FF3300"/>
+                </a:solidFill>
+                <a:latin typeface="KT&amp;G 상상제목 B" panose="02000300000000000000" pitchFamily="2" charset="-127"/>
+                <a:ea typeface="KT&amp;G 상상제목 B" panose="02000300000000000000" pitchFamily="2" charset="-127"/>
+              </a:rPr>
+              <a:t>02. </a:t>
+            </a:r>
+            <a:r>
+              <a:rPr lang="ko-KR" altLang="en-US" sz="4800" dirty="0" smtClean="0">
+                <a:solidFill>
+                  <a:srgbClr val="FF3300"/>
+                </a:solidFill>
+                <a:latin typeface="KT&amp;G 상상제목 B" panose="02000300000000000000" pitchFamily="2" charset="-127"/>
+                <a:ea typeface="KT&amp;G 상상제목 B" panose="02000300000000000000" pitchFamily="2" charset="-127"/>
+              </a:rPr>
+              <a:t>개발 프로세스</a:t>
+            </a:r>
+            <a:endParaRPr lang="ko-KR" altLang="en-US" sz="4800" dirty="0">
+              <a:solidFill>
+                <a:srgbClr val="FF3300"/>
+              </a:solidFill>
+              <a:latin typeface="KT&amp;G 상상제목 B" panose="02000300000000000000" pitchFamily="2" charset="-127"/>
+              <a:ea typeface="KT&amp;G 상상제목 B" panose="02000300000000000000" pitchFamily="2" charset="-127"/>
+            </a:endParaRPr>
+          </a:p>
+        </p:txBody>
+      </p:sp>
+      <p:pic>
+        <p:nvPicPr>
+          <p:cNvPr id="1026" name="Picture 2"/>
+          <p:cNvPicPr>
+            <a:picLocks noChangeAspect="1" noChangeArrowheads="1"/>
+          </p:cNvPicPr>
+          <p:nvPr/>
+        </p:nvPicPr>
+        <p:blipFill>
+          <a:blip r:embed="rId2" cstate="print"/>
+          <a:srcRect/>
+          <a:stretch>
+            <a:fillRect/>
+          </a:stretch>
+        </p:blipFill>
+        <p:spPr bwMode="auto">
+          <a:xfrm>
+            <a:off x="2915816" y="2862362"/>
+            <a:ext cx="6078488" cy="3337210"/>
+          </a:xfrm>
+          <a:prstGeom prst="rect">
+            <a:avLst/>
+          </a:prstGeom>
+          <a:noFill/>
+          <a:ln w="9525">
+            <a:noFill/>
+            <a:miter lim="800000"/>
+            <a:headEnd/>
+            <a:tailEnd/>
+          </a:ln>
+        </p:spPr>
+      </p:pic>
+      <p:pic>
+        <p:nvPicPr>
+          <p:cNvPr id="2050" name="Picture 2"/>
+          <p:cNvPicPr>
+            <a:picLocks noChangeAspect="1" noChangeArrowheads="1"/>
+          </p:cNvPicPr>
+          <p:nvPr/>
+        </p:nvPicPr>
+        <p:blipFill>
+          <a:blip r:embed="rId3" cstate="print"/>
+          <a:srcRect/>
+          <a:stretch>
+            <a:fillRect/>
+          </a:stretch>
+        </p:blipFill>
+        <p:spPr bwMode="auto">
+          <a:xfrm>
+            <a:off x="1043608" y="2430314"/>
+            <a:ext cx="1080120" cy="1392444"/>
+          </a:xfrm>
+          <a:prstGeom prst="rect">
+            <a:avLst/>
+          </a:prstGeom>
+          <a:noFill/>
+          <a:ln w="9525">
+            <a:noFill/>
+            <a:miter lim="800000"/>
+            <a:headEnd/>
+            <a:tailEnd/>
+          </a:ln>
+        </p:spPr>
+      </p:pic>
+      <p:sp>
+        <p:nvSpPr>
+          <p:cNvPr id="10" name="TextBox 9"/>
+          <p:cNvSpPr txBox="1"/>
+          <p:nvPr/>
+        </p:nvSpPr>
+        <p:spPr>
+          <a:xfrm>
+            <a:off x="3059832" y="2142282"/>
+            <a:ext cx="5472608" cy="369332"/>
+          </a:xfrm>
+          <a:prstGeom prst="rect">
+            <a:avLst/>
+          </a:prstGeom>
+          <a:noFill/>
+        </p:spPr>
+        <p:txBody>
+          <a:bodyPr wrap="square" rtlCol="0">
+            <a:spAutoFit/>
+          </a:bodyPr>
+          <a:lstStyle/>
+          <a:p>
+            <a:r>
+              <a:rPr lang="ko-KR" altLang="en-US" dirty="0" smtClean="0">
+                <a:latin typeface="HY견고딕" pitchFamily="18" charset="-127"/>
+                <a:ea typeface="HY견고딕" pitchFamily="18" charset="-127"/>
+              </a:rPr>
+              <a:t>문서와 코드 업데이트 및 공유</a:t>
+            </a:r>
+            <a:r>
+              <a:rPr lang="en-US" altLang="ko-KR" dirty="0" smtClean="0">
+                <a:latin typeface="HY견고딕" pitchFamily="18" charset="-127"/>
+                <a:ea typeface="HY견고딕" pitchFamily="18" charset="-127"/>
+              </a:rPr>
+              <a:t> </a:t>
+            </a:r>
+            <a:r>
+              <a:rPr lang="ko-KR" altLang="en-US" dirty="0" smtClean="0">
+                <a:latin typeface="HY견고딕" pitchFamily="18" charset="-127"/>
+                <a:ea typeface="HY견고딕" pitchFamily="18" charset="-127"/>
+              </a:rPr>
+              <a:t> </a:t>
+            </a:r>
+            <a:endParaRPr lang="ko-KR" altLang="en-US" dirty="0">
+              <a:latin typeface="HY견고딕" pitchFamily="18" charset="-127"/>
+              <a:ea typeface="HY견고딕" pitchFamily="18" charset="-127"/>
+            </a:endParaRPr>
+          </a:p>
+        </p:txBody>
+      </p:sp>
+    </p:spTree>
+    <p:extLst>
+      <p:ext uri="{BB962C8B-B14F-4D97-AF65-F5344CB8AC3E}">
+        <p14:creationId xmlns:p14="http://schemas.microsoft.com/office/powerpoint/2010/main" xmlns="" val="4208883111"/>
+      </p:ext>
+    </p:extLst>
+  </p:cSld>
+  <p:clrMapOvr>
+    <a:masterClrMapping/>
+  </p:clrMapOvr>
+  <p:transition spd="slow">
+    <p:push/>
+  </p:transition>
+  <p:timing>
+    <p:tnLst>
+      <p:par>
+        <p:cTn id="1" dur="indefinite" restart="never" nodeType="tmRoot"/>
+      </p:par>
+    </p:tnLst>
+  </p:timing>
+</p:sld>
+</file>
+
+<file path=ppt/slides/slide6.xml><?xml version="1.0" encoding="utf-8"?>
 <p:sld xmlns:a="http://schemas.openxmlformats.org/drawingml/2006/main" xmlns:r="http://schemas.openxmlformats.org/officeDocument/2006/relationships" xmlns:p="http://schemas.openxmlformats.org/presentationml/2006/main">
   <p:cSld>
     <p:spTree>
@@ -7286,13 +7672,13 @@
           <p:nvPr>
             <p:extLst>
               <p:ext uri="{D42A27DB-BD31-4B8C-83A1-F6EECF244321}">
-                <p14:modId xmlns:p14="http://schemas.microsoft.com/office/powerpoint/2010/main" val="3476500533"/>
+                <p14:modId xmlns:p14="http://schemas.microsoft.com/office/powerpoint/2010/main" xmlns="" val="3476500533"/>
               </p:ext>
             </p:extLst>
           </p:nvPr>
         </p:nvGraphicFramePr>
         <p:xfrm>
-          <a:off x="308727" y="574425"/>
+          <a:off x="48599" y="646434"/>
           <a:ext cx="8843881" cy="5600304"/>
         </p:xfrm>
         <a:graphic>
@@ -8790,13 +9176,13 @@
                     <a:p>
                       <a:pPr latinLnBrk="1"/>
                       <a:r>
-                        <a:rPr lang="en-US" altLang="ko-KR" sz="1600" b="1" dirty="0" smtClean="0">
+                        <a:rPr lang="en-US" altLang="ko-KR" sz="1400" b="1" dirty="0" smtClean="0">
                           <a:latin typeface="헤움심플함의미학172" panose="02020603020101020101" pitchFamily="18" charset="-127"/>
                           <a:ea typeface="헤움심플함의미학172" panose="02020603020101020101" pitchFamily="18" charset="-127"/>
                         </a:rPr>
                         <a:t>Specification</a:t>
                       </a:r>
-                      <a:endParaRPr lang="ko-KR" altLang="en-US" sz="1600" b="1" dirty="0">
+                      <a:endParaRPr lang="ko-KR" altLang="en-US" sz="1400" b="1" dirty="0">
                         <a:latin typeface="헤움심플함의미학172" panose="02020603020101020101" pitchFamily="18" charset="-127"/>
                         <a:ea typeface="헤움심플함의미학172" panose="02020603020101020101" pitchFamily="18" charset="-127"/>
                       </a:endParaRPr>
@@ -17622,7 +18008,7 @@
         </p:nvSpPr>
         <p:spPr>
           <a:xfrm>
-            <a:off x="4404659" y="975640"/>
+            <a:off x="4404659" y="990154"/>
             <a:ext cx="1051090" cy="360040"/>
           </a:xfrm>
           <a:prstGeom prst="rightArrow">
@@ -17683,7 +18069,7 @@
         </p:nvSpPr>
         <p:spPr>
           <a:xfrm>
-            <a:off x="5470263" y="1335680"/>
+            <a:off x="5470263" y="1350194"/>
             <a:ext cx="525545" cy="360040"/>
           </a:xfrm>
           <a:prstGeom prst="rightArrow">
@@ -17744,7 +18130,7 @@
         </p:nvSpPr>
         <p:spPr>
           <a:xfrm>
-            <a:off x="5995808" y="1695720"/>
+            <a:off x="5995808" y="1710234"/>
             <a:ext cx="525545" cy="360040"/>
           </a:xfrm>
           <a:prstGeom prst="rightArrow">
@@ -17805,7 +18191,7 @@
         </p:nvSpPr>
         <p:spPr>
           <a:xfrm>
-            <a:off x="6521782" y="2055760"/>
+            <a:off x="6521782" y="2142282"/>
             <a:ext cx="525545" cy="360040"/>
           </a:xfrm>
           <a:prstGeom prst="rightArrow">
@@ -17866,7 +18252,7 @@
         </p:nvSpPr>
         <p:spPr>
           <a:xfrm>
-            <a:off x="7043812" y="2459342"/>
+            <a:off x="7043812" y="2502322"/>
             <a:ext cx="525545" cy="360040"/>
           </a:xfrm>
           <a:prstGeom prst="rightArrow">
@@ -17927,7 +18313,7 @@
         </p:nvSpPr>
         <p:spPr>
           <a:xfrm>
-            <a:off x="6516680" y="3209030"/>
+            <a:off x="6516680" y="3222402"/>
             <a:ext cx="525545" cy="360040"/>
           </a:xfrm>
           <a:prstGeom prst="rightArrow">
@@ -17988,7 +18374,7 @@
         </p:nvSpPr>
         <p:spPr>
           <a:xfrm>
-            <a:off x="5991135" y="3569070"/>
+            <a:off x="5991135" y="3654450"/>
             <a:ext cx="525545" cy="360040"/>
           </a:xfrm>
           <a:prstGeom prst="rightArrow">
@@ -18049,7 +18435,7 @@
         </p:nvSpPr>
         <p:spPr>
           <a:xfrm>
-            <a:off x="6523755" y="3943624"/>
+            <a:off x="6523755" y="4014490"/>
             <a:ext cx="525545" cy="360040"/>
           </a:xfrm>
           <a:prstGeom prst="rightArrow">
@@ -18110,7 +18496,7 @@
         </p:nvSpPr>
         <p:spPr>
           <a:xfrm>
-            <a:off x="5989207" y="2834476"/>
+            <a:off x="5989207" y="2862362"/>
             <a:ext cx="525545" cy="360040"/>
           </a:xfrm>
           <a:prstGeom prst="rightArrow">
@@ -18171,7 +18557,7 @@
         </p:nvSpPr>
         <p:spPr>
           <a:xfrm>
-            <a:off x="7054811" y="4318178"/>
+            <a:off x="7054811" y="4374530"/>
             <a:ext cx="525545" cy="360040"/>
           </a:xfrm>
           <a:prstGeom prst="rightArrow">
@@ -18232,7 +18618,7 @@
         </p:nvSpPr>
         <p:spPr>
           <a:xfrm>
-            <a:off x="7576412" y="4691058"/>
+            <a:off x="7576412" y="4734570"/>
             <a:ext cx="1051090" cy="360040"/>
           </a:xfrm>
           <a:prstGeom prst="rightArrow">
@@ -18293,7 +18679,7 @@
         </p:nvSpPr>
         <p:spPr>
           <a:xfrm>
-            <a:off x="8627502" y="5137034"/>
+            <a:off x="8627502" y="5194528"/>
             <a:ext cx="525545" cy="188114"/>
           </a:xfrm>
           <a:prstGeom prst="rect">
@@ -18349,7 +18735,7 @@
     </p:spTree>
     <p:extLst>
       <p:ext uri="{BB962C8B-B14F-4D97-AF65-F5344CB8AC3E}">
-        <p14:creationId xmlns:p14="http://schemas.microsoft.com/office/powerpoint/2010/main" val="3475410091"/>
+        <p14:creationId xmlns:p14="http://schemas.microsoft.com/office/powerpoint/2010/main" xmlns="" val="3475410091"/>
       </p:ext>
     </p:extLst>
   </p:cSld>
@@ -18959,7 +19345,7 @@
 </p:sld>
 </file>
 
-<file path=ppt/slides/slide6.xml><?xml version="1.0" encoding="utf-8"?>
+<file path=ppt/slides/slide7.xml><?xml version="1.0" encoding="utf-8"?>
 <p:sld xmlns:a="http://schemas.openxmlformats.org/drawingml/2006/main" xmlns:r="http://schemas.openxmlformats.org/officeDocument/2006/relationships" xmlns:p="http://schemas.openxmlformats.org/presentationml/2006/main">
   <p:cSld>
     <p:spTree>
@@ -19102,13 +19488,13 @@
           <p:nvPr>
             <p:extLst>
               <p:ext uri="{D42A27DB-BD31-4B8C-83A1-F6EECF244321}">
-                <p14:modId xmlns:p14="http://schemas.microsoft.com/office/powerpoint/2010/main" val="3791714749"/>
+                <p14:modId xmlns:p14="http://schemas.microsoft.com/office/powerpoint/2010/main" xmlns="" val="3791714749"/>
               </p:ext>
             </p:extLst>
           </p:nvPr>
         </p:nvGraphicFramePr>
         <p:xfrm>
-          <a:off x="848" y="574425"/>
+          <a:off x="848" y="574426"/>
           <a:ext cx="3696413" cy="5600304"/>
         </p:xfrm>
         <a:graphic>
@@ -25931,14 +26317,14 @@
           <p:nvPr>
             <p:extLst>
               <p:ext uri="{D42A27DB-BD31-4B8C-83A1-F6EECF244321}">
-                <p14:modId xmlns:p14="http://schemas.microsoft.com/office/powerpoint/2010/main" val="3267234598"/>
+                <p14:modId xmlns:p14="http://schemas.microsoft.com/office/powerpoint/2010/main" xmlns="" val="3267234598"/>
               </p:ext>
             </p:extLst>
           </p:nvPr>
         </p:nvGraphicFramePr>
         <p:xfrm>
           <a:off x="3702284" y="574426"/>
-          <a:ext cx="4091350" cy="5600304"/>
+          <a:ext cx="4470116" cy="5600304"/>
         </p:xfrm>
         <a:graphic>
           <a:graphicData uri="http://schemas.openxmlformats.org/drawingml/2006/table">
@@ -25947,8 +26333,8 @@
                 <a:tableStyleId>{5C22544A-7EE6-4342-B048-85BDC9FD1C3A}</a:tableStyleId>
               </a:tblPr>
               <a:tblGrid>
-                <a:gridCol w="1368152"/>
-                <a:gridCol w="2723198"/>
+                <a:gridCol w="1494812"/>
+                <a:gridCol w="2975304"/>
               </a:tblGrid>
               <a:tr h="338587">
                 <a:tc gridSpan="2">
@@ -27560,7 +27946,7 @@
         </p:nvSpPr>
         <p:spPr>
           <a:xfrm>
-            <a:off x="1" y="5080096"/>
+            <a:off x="0" y="5094610"/>
             <a:ext cx="525545" cy="360040"/>
           </a:xfrm>
           <a:prstGeom prst="rightArrow">
@@ -27738,7 +28124,7 @@
     </p:spTree>
     <p:extLst>
       <p:ext uri="{BB962C8B-B14F-4D97-AF65-F5344CB8AC3E}">
-        <p14:creationId xmlns:p14="http://schemas.microsoft.com/office/powerpoint/2010/main" val="2189449511"/>
+        <p14:creationId xmlns:p14="http://schemas.microsoft.com/office/powerpoint/2010/main" xmlns="" val="2189449511"/>
       </p:ext>
     </p:extLst>
   </p:cSld>
